--- a/Präsentationen/Projektbesprechung090420/Projektbesprechung090420.pptx
+++ b/Präsentationen/Projektbesprechung090420/Projektbesprechung090420.pptx
@@ -316,6 +316,11 @@
       </a:defRPr>
     </a:lvl9pPr>
   </p:defaultTextStyle>
+  <p:extLst>
+    <p:ext uri="{EFAFB233-063F-42B5-8137-9DF3F51BA10A}">
+      <p15:sldGuideLst xmlns:p15="http://schemas.microsoft.com/office/powerpoint/2012/main"/>
+    </p:ext>
+  </p:extLst>
 </p:presentation>
 </file>
 
@@ -1303,7 +1308,7 @@
           </a:ln>
           <a:extLst>
             <a:ext uri="{C572A759-6A51-4108-AA02-DFA0A04FC94B}">
-              <ma14:wrappingTextBoxFlag xmlns:ma14="http://schemas.microsoft.com/office/mac/drawingml/2011/main" xmlns:a14="http://schemas.microsoft.com/office/drawing/2010/main" xmlns:m="http://schemas.openxmlformats.org/officeDocument/2006/math" xmlns="" val="1"/>
+              <ma14:wrappingTextBoxFlag xmlns="" xmlns:m="http://schemas.openxmlformats.org/officeDocument/2006/math" xmlns:a14="http://schemas.microsoft.com/office/drawing/2010/main" xmlns:ma14="http://schemas.microsoft.com/office/mac/drawingml/2011/main" val="1"/>
             </a:ext>
           </a:extLst>
         </p:spPr>
@@ -1681,7 +1686,7 @@
           </a:ln>
           <a:extLst>
             <a:ext uri="{C572A759-6A51-4108-AA02-DFA0A04FC94B}">
-              <ma14:wrappingTextBoxFlag xmlns:ma14="http://schemas.microsoft.com/office/mac/drawingml/2011/main" xmlns:a14="http://schemas.microsoft.com/office/drawing/2010/main" xmlns:m="http://schemas.openxmlformats.org/officeDocument/2006/math" xmlns="" val="1"/>
+              <ma14:wrappingTextBoxFlag xmlns="" xmlns:m="http://schemas.openxmlformats.org/officeDocument/2006/math" xmlns:a14="http://schemas.microsoft.com/office/drawing/2010/main" xmlns:ma14="http://schemas.microsoft.com/office/mac/drawingml/2011/main" val="1"/>
             </a:ext>
           </a:extLst>
         </p:spPr>
@@ -1942,7 +1947,7 @@
           </a:ln>
           <a:extLst>
             <a:ext uri="{C572A759-6A51-4108-AA02-DFA0A04FC94B}">
-              <ma14:wrappingTextBoxFlag xmlns:ma14="http://schemas.microsoft.com/office/mac/drawingml/2011/main" xmlns:a14="http://schemas.microsoft.com/office/drawing/2010/main" xmlns:m="http://schemas.openxmlformats.org/officeDocument/2006/math" xmlns="" val="1"/>
+              <ma14:wrappingTextBoxFlag xmlns="" xmlns:m="http://schemas.openxmlformats.org/officeDocument/2006/math" xmlns:a14="http://schemas.microsoft.com/office/drawing/2010/main" xmlns:ma14="http://schemas.microsoft.com/office/mac/drawingml/2011/main" val="1"/>
             </a:ext>
           </a:extLst>
         </p:spPr>
@@ -1981,7 +1986,7 @@
           </a:ln>
           <a:extLst>
             <a:ext uri="{C572A759-6A51-4108-AA02-DFA0A04FC94B}">
-              <ma14:wrappingTextBoxFlag xmlns:ma14="http://schemas.microsoft.com/office/mac/drawingml/2011/main" xmlns:a14="http://schemas.microsoft.com/office/drawing/2010/main" xmlns:m="http://schemas.openxmlformats.org/officeDocument/2006/math" xmlns="" val="1"/>
+              <ma14:wrappingTextBoxFlag xmlns="" xmlns:m="http://schemas.openxmlformats.org/officeDocument/2006/math" xmlns:a14="http://schemas.microsoft.com/office/drawing/2010/main" xmlns:ma14="http://schemas.microsoft.com/office/mac/drawingml/2011/main" val="1"/>
             </a:ext>
           </a:extLst>
         </p:spPr>
@@ -2940,7 +2945,9 @@
           </a:xfrm>
         </p:spPr>
         <p:txBody>
-          <a:bodyPr/>
+          <a:bodyPr>
+            <a:normAutofit lnSpcReduction="10000"/>
+          </a:bodyPr>
           <a:lstStyle/>
           <a:p>
             <a:pPr marL="285750" indent="-285750">
@@ -2990,6 +2997,26 @@
             </a:pPr>
             <a:r>
               <a:rPr lang="de-DE" dirty="0"/>
+              <a:t>Slam durch zusammengeführte Laserscans</a:t>
+            </a:r>
+          </a:p>
+          <a:p>
+            <a:pPr marL="285750" indent="-285750">
+              <a:buFontTx/>
+              <a:buChar char="-"/>
+            </a:pPr>
+            <a:r>
+              <a:rPr lang="de-DE" dirty="0"/>
+              <a:t>3D Slam möglich</a:t>
+            </a:r>
+          </a:p>
+          <a:p>
+            <a:pPr marL="285750" indent="-285750">
+              <a:buFontTx/>
+              <a:buChar char="-"/>
+            </a:pPr>
+            <a:r>
+              <a:rPr lang="de-DE" dirty="0"/>
               <a:t>Eigene </a:t>
             </a:r>
             <a:r>
@@ -3014,6 +3041,18 @@
               <a:rPr lang="de-DE" dirty="0"/>
               <a:t>Bringt uns auf eine Idee (gleich mehr)</a:t>
             </a:r>
+          </a:p>
+          <a:p>
+            <a:pPr marL="285750" indent="-285750"/>
+            <a:r>
+              <a:rPr lang="de-DE" dirty="0"/>
+              <a:t>-	</a:t>
+            </a:r>
+            <a:r>
+              <a:rPr lang="de-DE" dirty="0" err="1"/>
+              <a:t>Consens</a:t>
+            </a:r>
+            <a:endParaRPr lang="de-DE" dirty="0"/>
           </a:p>
           <a:p>
             <a:pPr marL="285750" indent="-285750"/>
@@ -3502,7 +3541,7 @@
         <p:spPr>
           <a:xfrm>
             <a:off x="378326" y="1405288"/>
-            <a:ext cx="8162223" cy="3693315"/>
+            <a:ext cx="8162223" cy="3139317"/>
           </a:xfrm>
           <a:prstGeom prst="rect">
             <a:avLst/>
@@ -3662,14 +3701,8 @@
                 <a:latin typeface="+mj-lt"/>
                 <a:sym typeface="Wingdings" panose="05000000000000000000" pitchFamily="2" charset="2"/>
               </a:rPr>
-              <a:t> Veröffentlichung einer solchen Lösung  Ansehen für uns und die Hochschule</a:t>
-            </a:r>
-          </a:p>
-          <a:p>
-            <a:pPr lvl="1">
-              <a:buSzTx/>
-              <a:buNone/>
-            </a:pPr>
+              <a:t> Veröffentlichung einer solchen Lösung </a:t>
+            </a:r>
             <a:endParaRPr lang="de-DE" sz="1800" dirty="0">
               <a:latin typeface="+mj-lt"/>
             </a:endParaRPr>
@@ -3875,7 +3908,7 @@
                 <a:cs typeface="+mn-cs"/>
                 <a:sym typeface="Times New Roman"/>
               </a:rPr>
-              <a:t>Posenerkennung</a:t>
+              <a:t>Posenschätzung</a:t>
             </a:r>
             <a:r>
               <a:rPr kumimoji="0" lang="de-DE" sz="1800" b="0" i="0" u="none" strike="noStrike" cap="none" spc="0" normalizeH="0" baseline="0" dirty="0">
@@ -4203,7 +4236,7 @@
         <p:spPr>
           <a:xfrm>
             <a:off x="378326" y="1405288"/>
-            <a:ext cx="8162223" cy="1200325"/>
+            <a:ext cx="8162223" cy="2585319"/>
           </a:xfrm>
           <a:prstGeom prst="rect">
             <a:avLst/>
@@ -4283,6 +4316,131 @@
               <a:buSzTx/>
               <a:buFontTx/>
               <a:buChar char="-"/>
+              <a:tabLst/>
+            </a:pPr>
+            <a:endParaRPr kumimoji="0" lang="de-DE" sz="1800" b="0" i="0" u="none" strike="noStrike" cap="none" spc="0" normalizeH="0" baseline="0" dirty="0">
+              <a:ln>
+                <a:noFill/>
+              </a:ln>
+              <a:solidFill>
+                <a:srgbClr val="000000"/>
+              </a:solidFill>
+              <a:effectLst/>
+              <a:uFillTx/>
+              <a:latin typeface="+mj-lt"/>
+              <a:ea typeface="+mn-ea"/>
+              <a:cs typeface="+mn-cs"/>
+              <a:sym typeface="Times New Roman"/>
+            </a:endParaRPr>
+          </a:p>
+          <a:p>
+            <a:pPr marL="285750" indent="-285750">
+              <a:buFontTx/>
+              <a:buChar char="-"/>
+            </a:pPr>
+            <a:r>
+              <a:rPr lang="de-DE" sz="1800" dirty="0">
+                <a:latin typeface="+mj-lt"/>
+              </a:rPr>
+              <a:t>Winkelbestimmung durch EKF und IMU Sensorik</a:t>
+            </a:r>
+          </a:p>
+          <a:p>
+            <a:pPr marL="285750" marR="0" indent="-285750" algn="l" defTabSz="449262" rtl="0" fontAlgn="auto" latinLnBrk="0" hangingPunct="0">
+              <a:lnSpc>
+                <a:spcPct val="100000"/>
+              </a:lnSpc>
+              <a:spcBef>
+                <a:spcPts val="0"/>
+              </a:spcBef>
+              <a:spcAft>
+                <a:spcPts val="0"/>
+              </a:spcAft>
+              <a:buClrTx/>
+              <a:buSzTx/>
+              <a:buFontTx/>
+              <a:buChar char="-"/>
+              <a:tabLst/>
+            </a:pPr>
+            <a:endParaRPr kumimoji="0" lang="de-DE" sz="1800" b="0" i="0" u="none" strike="noStrike" cap="none" spc="0" normalizeH="0" baseline="0" dirty="0">
+              <a:ln>
+                <a:noFill/>
+              </a:ln>
+              <a:solidFill>
+                <a:srgbClr val="000000"/>
+              </a:solidFill>
+              <a:effectLst/>
+              <a:uFillTx/>
+              <a:latin typeface="+mj-lt"/>
+              <a:ea typeface="+mn-ea"/>
+              <a:cs typeface="+mn-cs"/>
+              <a:sym typeface="Times New Roman"/>
+            </a:endParaRPr>
+          </a:p>
+          <a:p>
+            <a:pPr marR="0" algn="l" defTabSz="449262" rtl="0" fontAlgn="auto" latinLnBrk="0" hangingPunct="0">
+              <a:lnSpc>
+                <a:spcPct val="100000"/>
+              </a:lnSpc>
+              <a:spcBef>
+                <a:spcPts val="0"/>
+              </a:spcBef>
+              <a:spcAft>
+                <a:spcPts val="0"/>
+              </a:spcAft>
+              <a:buClrTx/>
+              <a:buSzTx/>
+              <a:tabLst/>
+            </a:pPr>
+            <a:endParaRPr kumimoji="0" lang="de-DE" sz="1800" b="0" i="0" u="none" strike="noStrike" cap="none" spc="0" normalizeH="0" baseline="0" dirty="0">
+              <a:ln>
+                <a:noFill/>
+              </a:ln>
+              <a:solidFill>
+                <a:srgbClr val="000000"/>
+              </a:solidFill>
+              <a:effectLst/>
+              <a:uFillTx/>
+              <a:latin typeface="+mj-lt"/>
+              <a:ea typeface="+mn-ea"/>
+              <a:cs typeface="+mn-cs"/>
+              <a:sym typeface="Times New Roman"/>
+            </a:endParaRPr>
+          </a:p>
+          <a:p>
+            <a:pPr marL="285750" marR="0" indent="-285750" algn="l" defTabSz="449262" rtl="0" fontAlgn="auto" latinLnBrk="0" hangingPunct="0">
+              <a:lnSpc>
+                <a:spcPct val="100000"/>
+              </a:lnSpc>
+              <a:spcBef>
+                <a:spcPts val="0"/>
+              </a:spcBef>
+              <a:spcAft>
+                <a:spcPts val="0"/>
+              </a:spcAft>
+              <a:buClrTx/>
+              <a:buSzTx/>
+              <a:buFontTx/>
+              <a:buChar char="-"/>
+              <a:tabLst/>
+            </a:pPr>
+            <a:endParaRPr lang="de-DE" sz="1800" dirty="0">
+              <a:latin typeface="+mj-lt"/>
+            </a:endParaRPr>
+          </a:p>
+          <a:p>
+            <a:pPr marR="0" algn="l" defTabSz="449262" rtl="0" fontAlgn="auto" latinLnBrk="0" hangingPunct="0">
+              <a:lnSpc>
+                <a:spcPct val="100000"/>
+              </a:lnSpc>
+              <a:spcBef>
+                <a:spcPts val="0"/>
+              </a:spcBef>
+              <a:spcAft>
+                <a:spcPts val="0"/>
+              </a:spcAft>
+              <a:buClrTx/>
+              <a:buSzTx/>
               <a:tabLst/>
             </a:pPr>
             <a:endParaRPr kumimoji="0" lang="de-DE" sz="1800" b="0" i="0" u="none" strike="noStrike" cap="none" spc="0" normalizeH="0" baseline="0" dirty="0">
@@ -4440,6 +4598,10 @@
             </a:r>
           </a:p>
           <a:p>
+            <a:pPr marL="742950" lvl="1" indent="-285750"/>
+            <a:endParaRPr lang="de-DE" dirty="0"/>
+          </a:p>
+          <a:p>
             <a:pPr marL="285750" indent="-285750">
               <a:buFontTx/>
               <a:buChar char="-"/>
@@ -4544,7 +4706,7 @@
         <p:spPr>
           <a:xfrm>
             <a:off x="375385" y="1501542"/>
-            <a:ext cx="8460607" cy="1754322"/>
+            <a:ext cx="8460607" cy="3416316"/>
           </a:xfrm>
           <a:prstGeom prst="rect">
             <a:avLst/>
@@ -4618,23 +4780,9 @@
               <a:buChar char="-"/>
               <a:tabLst/>
             </a:pPr>
-            <a:r>
-              <a:rPr kumimoji="0" lang="de-DE" sz="1800" b="0" i="0" u="none" strike="noStrike" cap="none" spc="0" normalizeH="0" baseline="0" dirty="0">
-                <a:ln>
-                  <a:noFill/>
-                </a:ln>
-                <a:solidFill>
-                  <a:srgbClr val="000000"/>
-                </a:solidFill>
-                <a:effectLst/>
-                <a:uFillTx/>
-                <a:latin typeface="+mj-lt"/>
-                <a:ea typeface="+mn-ea"/>
-                <a:cs typeface="+mn-cs"/>
-                <a:sym typeface="Times New Roman"/>
-              </a:rPr>
-              <a:t>Neuronale Netzwerke</a:t>
-            </a:r>
+            <a:endParaRPr lang="de-DE" sz="1800" dirty="0">
+              <a:latin typeface="+mj-lt"/>
+            </a:endParaRPr>
           </a:p>
           <a:p>
             <a:pPr marL="285750" marR="0" indent="-285750" algn="l" defTabSz="449262" rtl="0" fontAlgn="auto" latinLnBrk="0" hangingPunct="0">
@@ -4654,72 +4802,10 @@
               <a:tabLst/>
             </a:pPr>
             <a:r>
-              <a:rPr kumimoji="0" lang="de-DE" sz="1800" b="0" i="0" u="none" strike="noStrike" cap="none" spc="0" normalizeH="0" baseline="0" dirty="0" err="1">
-                <a:ln>
-                  <a:noFill/>
-                </a:ln>
-                <a:solidFill>
-                  <a:srgbClr val="000000"/>
-                </a:solidFill>
-                <a:effectLst/>
-                <a:uFillTx/>
+              <a:rPr lang="de-DE" sz="1800" dirty="0">
                 <a:latin typeface="+mj-lt"/>
-                <a:ea typeface="+mn-ea"/>
-                <a:cs typeface="+mn-cs"/>
-                <a:sym typeface="Times New Roman"/>
               </a:rPr>
-              <a:t>Posenschätzung</a:t>
-            </a:r>
-            <a:r>
-              <a:rPr kumimoji="0" lang="de-DE" sz="1800" b="0" i="0" u="none" strike="noStrike" cap="none" spc="0" normalizeH="0" baseline="0" dirty="0">
-                <a:ln>
-                  <a:noFill/>
-                </a:ln>
-                <a:solidFill>
-                  <a:srgbClr val="000000"/>
-                </a:solidFill>
-                <a:effectLst/>
-                <a:uFillTx/>
-                <a:latin typeface="+mj-lt"/>
-                <a:ea typeface="+mn-ea"/>
-                <a:cs typeface="+mn-cs"/>
-                <a:sym typeface="Times New Roman"/>
-              </a:rPr>
-              <a:t> durch Fahrwerksinformationen (Besonderheit: </a:t>
-            </a:r>
-            <a:r>
-              <a:rPr kumimoji="0" lang="de-DE" sz="1800" b="0" i="0" u="none" strike="noStrike" cap="none" spc="0" normalizeH="0" baseline="0" dirty="0" err="1">
-                <a:ln>
-                  <a:noFill/>
-                </a:ln>
-                <a:solidFill>
-                  <a:srgbClr val="000000"/>
-                </a:solidFill>
-                <a:effectLst/>
-                <a:uFillTx/>
-                <a:latin typeface="+mj-lt"/>
-                <a:ea typeface="+mn-ea"/>
-                <a:cs typeface="+mn-cs"/>
-                <a:sym typeface="Times New Roman"/>
-              </a:rPr>
-              <a:t>Mecanum</a:t>
-            </a:r>
-            <a:r>
-              <a:rPr kumimoji="0" lang="de-DE" sz="1800" b="0" i="0" u="none" strike="noStrike" cap="none" spc="0" normalizeH="0" baseline="0" dirty="0">
-                <a:ln>
-                  <a:noFill/>
-                </a:ln>
-                <a:solidFill>
-                  <a:srgbClr val="000000"/>
-                </a:solidFill>
-                <a:effectLst/>
-                <a:uFillTx/>
-                <a:latin typeface="+mj-lt"/>
-                <a:ea typeface="+mn-ea"/>
-                <a:cs typeface="+mn-cs"/>
-                <a:sym typeface="Times New Roman"/>
-              </a:rPr>
-              <a:t>)</a:t>
+              <a:t>SLAM</a:t>
             </a:r>
           </a:p>
           <a:p>
@@ -4739,12 +4825,239 @@
               <a:buChar char="-"/>
               <a:tabLst/>
             </a:pPr>
+            <a:endParaRPr lang="de-DE" sz="1800" dirty="0">
+              <a:latin typeface="+mj-lt"/>
+            </a:endParaRPr>
+          </a:p>
+          <a:p>
+            <a:pPr marL="285750" marR="0" indent="-285750" algn="l" defTabSz="449262" rtl="0" fontAlgn="auto" latinLnBrk="0" hangingPunct="0">
+              <a:lnSpc>
+                <a:spcPct val="100000"/>
+              </a:lnSpc>
+              <a:spcBef>
+                <a:spcPts val="0"/>
+              </a:spcBef>
+              <a:spcAft>
+                <a:spcPts val="0"/>
+              </a:spcAft>
+              <a:buClrTx/>
+              <a:buSzTx/>
+              <a:buFontTx/>
+              <a:buChar char="-"/>
+              <a:tabLst/>
+            </a:pPr>
+            <a:r>
+              <a:rPr kumimoji="0" lang="de-DE" sz="1800" b="0" i="0" u="none" strike="noStrike" cap="none" spc="0" normalizeH="0" baseline="0" dirty="0">
+                <a:ln>
+                  <a:noFill/>
+                </a:ln>
+                <a:solidFill>
+                  <a:srgbClr val="000000"/>
+                </a:solidFill>
+                <a:effectLst/>
+                <a:uFillTx/>
+                <a:latin typeface="+mj-lt"/>
+                <a:ea typeface="+mn-ea"/>
+                <a:cs typeface="+mn-cs"/>
+                <a:sym typeface="Times New Roman"/>
+              </a:rPr>
+              <a:t>Neuronale Netzwerke</a:t>
+            </a:r>
+          </a:p>
+          <a:p>
+            <a:pPr marL="285750" marR="0" indent="-285750" algn="l" defTabSz="449262" rtl="0" fontAlgn="auto" latinLnBrk="0" hangingPunct="0">
+              <a:lnSpc>
+                <a:spcPct val="100000"/>
+              </a:lnSpc>
+              <a:spcBef>
+                <a:spcPts val="0"/>
+              </a:spcBef>
+              <a:spcAft>
+                <a:spcPts val="0"/>
+              </a:spcAft>
+              <a:buClrTx/>
+              <a:buSzTx/>
+              <a:buFontTx/>
+              <a:buChar char="-"/>
+              <a:tabLst/>
+            </a:pPr>
+            <a:endParaRPr kumimoji="0" lang="de-DE" sz="1800" b="0" i="0" u="none" strike="noStrike" cap="none" spc="0" normalizeH="0" baseline="0" dirty="0">
+              <a:ln>
+                <a:noFill/>
+              </a:ln>
+              <a:solidFill>
+                <a:srgbClr val="000000"/>
+              </a:solidFill>
+              <a:effectLst/>
+              <a:uFillTx/>
+              <a:latin typeface="+mj-lt"/>
+              <a:ea typeface="+mn-ea"/>
+              <a:cs typeface="+mn-cs"/>
+              <a:sym typeface="Times New Roman"/>
+            </a:endParaRPr>
+          </a:p>
+          <a:p>
+            <a:pPr marL="285750" marR="0" indent="-285750" algn="l" defTabSz="449262" rtl="0" fontAlgn="auto" latinLnBrk="0" hangingPunct="0">
+              <a:lnSpc>
+                <a:spcPct val="100000"/>
+              </a:lnSpc>
+              <a:spcBef>
+                <a:spcPts val="0"/>
+              </a:spcBef>
+              <a:spcAft>
+                <a:spcPts val="0"/>
+              </a:spcAft>
+              <a:buClrTx/>
+              <a:buSzTx/>
+              <a:buFontTx/>
+              <a:buChar char="-"/>
+              <a:tabLst/>
+            </a:pPr>
+            <a:r>
+              <a:rPr kumimoji="0" lang="de-DE" sz="1800" b="0" i="0" u="none" strike="noStrike" cap="none" spc="0" normalizeH="0" baseline="0" dirty="0" err="1">
+                <a:ln>
+                  <a:noFill/>
+                </a:ln>
+                <a:solidFill>
+                  <a:srgbClr val="000000"/>
+                </a:solidFill>
+                <a:effectLst/>
+                <a:uFillTx/>
+                <a:latin typeface="+mj-lt"/>
+                <a:ea typeface="+mn-ea"/>
+                <a:cs typeface="+mn-cs"/>
+                <a:sym typeface="Times New Roman"/>
+              </a:rPr>
+              <a:t>Posenschätzung</a:t>
+            </a:r>
+            <a:r>
+              <a:rPr kumimoji="0" lang="de-DE" sz="1800" b="0" i="0" u="none" strike="noStrike" cap="none" spc="0" normalizeH="0" baseline="0" dirty="0">
+                <a:ln>
+                  <a:noFill/>
+                </a:ln>
+                <a:solidFill>
+                  <a:srgbClr val="000000"/>
+                </a:solidFill>
+                <a:effectLst/>
+                <a:uFillTx/>
+                <a:latin typeface="+mj-lt"/>
+                <a:ea typeface="+mn-ea"/>
+                <a:cs typeface="+mn-cs"/>
+                <a:sym typeface="Times New Roman"/>
+              </a:rPr>
+              <a:t> durch Fahrwerksinformationen (Besonderheit: </a:t>
+            </a:r>
+            <a:r>
+              <a:rPr kumimoji="0" lang="de-DE" sz="1800" b="0" i="0" u="none" strike="noStrike" cap="none" spc="0" normalizeH="0" baseline="0" dirty="0" err="1">
+                <a:ln>
+                  <a:noFill/>
+                </a:ln>
+                <a:solidFill>
+                  <a:srgbClr val="000000"/>
+                </a:solidFill>
+                <a:effectLst/>
+                <a:uFillTx/>
+                <a:latin typeface="+mj-lt"/>
+                <a:ea typeface="+mn-ea"/>
+                <a:cs typeface="+mn-cs"/>
+                <a:sym typeface="Times New Roman"/>
+              </a:rPr>
+              <a:t>Mecanum</a:t>
+            </a:r>
+            <a:r>
+              <a:rPr kumimoji="0" lang="de-DE" sz="1800" b="0" i="0" u="none" strike="noStrike" cap="none" spc="0" normalizeH="0" baseline="0" dirty="0">
+                <a:ln>
+                  <a:noFill/>
+                </a:ln>
+                <a:solidFill>
+                  <a:srgbClr val="000000"/>
+                </a:solidFill>
+                <a:effectLst/>
+                <a:uFillTx/>
+                <a:latin typeface="+mj-lt"/>
+                <a:ea typeface="+mn-ea"/>
+                <a:cs typeface="+mn-cs"/>
+                <a:sym typeface="Times New Roman"/>
+              </a:rPr>
+              <a:t>)</a:t>
+            </a:r>
+          </a:p>
+          <a:p>
+            <a:pPr marL="285750" marR="0" indent="-285750" algn="l" defTabSz="449262" rtl="0" fontAlgn="auto" latinLnBrk="0" hangingPunct="0">
+              <a:lnSpc>
+                <a:spcPct val="100000"/>
+              </a:lnSpc>
+              <a:spcBef>
+                <a:spcPts val="0"/>
+              </a:spcBef>
+              <a:spcAft>
+                <a:spcPts val="0"/>
+              </a:spcAft>
+              <a:buClrTx/>
+              <a:buSzTx/>
+              <a:buFontTx/>
+              <a:buChar char="-"/>
+              <a:tabLst/>
+            </a:pPr>
+            <a:endParaRPr kumimoji="0" lang="de-DE" sz="1800" b="0" i="0" u="none" strike="noStrike" cap="none" spc="0" normalizeH="0" baseline="0" dirty="0">
+              <a:ln>
+                <a:noFill/>
+              </a:ln>
+              <a:solidFill>
+                <a:srgbClr val="000000"/>
+              </a:solidFill>
+              <a:effectLst/>
+              <a:uFillTx/>
+              <a:latin typeface="+mj-lt"/>
+              <a:ea typeface="+mn-ea"/>
+              <a:cs typeface="+mn-cs"/>
+              <a:sym typeface="Times New Roman"/>
+            </a:endParaRPr>
+          </a:p>
+          <a:p>
+            <a:pPr marL="285750" marR="0" indent="-285750" algn="l" defTabSz="449262" rtl="0" fontAlgn="auto" latinLnBrk="0" hangingPunct="0">
+              <a:lnSpc>
+                <a:spcPct val="100000"/>
+              </a:lnSpc>
+              <a:spcBef>
+                <a:spcPts val="0"/>
+              </a:spcBef>
+              <a:spcAft>
+                <a:spcPts val="0"/>
+              </a:spcAft>
+              <a:buClrTx/>
+              <a:buSzTx/>
+              <a:buFontTx/>
+              <a:buChar char="-"/>
+              <a:tabLst/>
+            </a:pPr>
             <a:r>
               <a:rPr lang="de-DE" sz="1800" dirty="0">
                 <a:latin typeface="+mj-lt"/>
               </a:rPr>
               <a:t>Partikelfilter</a:t>
             </a:r>
+          </a:p>
+          <a:p>
+            <a:pPr marL="285750" marR="0" indent="-285750" algn="l" defTabSz="449262" rtl="0" fontAlgn="auto" latinLnBrk="0" hangingPunct="0">
+              <a:lnSpc>
+                <a:spcPct val="100000"/>
+              </a:lnSpc>
+              <a:spcBef>
+                <a:spcPts val="0"/>
+              </a:spcBef>
+              <a:spcAft>
+                <a:spcPts val="0"/>
+              </a:spcAft>
+              <a:buClrTx/>
+              <a:buSzTx/>
+              <a:buFontTx/>
+              <a:buChar char="-"/>
+              <a:tabLst/>
+            </a:pPr>
+            <a:endParaRPr lang="de-DE" sz="1800" dirty="0">
+              <a:latin typeface="+mj-lt"/>
+            </a:endParaRPr>
           </a:p>
           <a:p>
             <a:pPr marL="285750" marR="0" indent="-285750" algn="l" defTabSz="449262" rtl="0" fontAlgn="auto" latinLnBrk="0" hangingPunct="0">

--- a/Präsentationen/Projektbesprechung090420/Projektbesprechung090420.pptx
+++ b/Präsentationen/Projektbesprechung090420/Projektbesprechung090420.pptx
@@ -1308,7 +1308,7 @@
           </a:ln>
           <a:extLst>
             <a:ext uri="{C572A759-6A51-4108-AA02-DFA0A04FC94B}">
-              <ma14:wrappingTextBoxFlag xmlns="" xmlns:m="http://schemas.openxmlformats.org/officeDocument/2006/math" xmlns:a14="http://schemas.microsoft.com/office/drawing/2010/main" xmlns:ma14="http://schemas.microsoft.com/office/mac/drawingml/2011/main" val="1"/>
+              <ma14:wrappingTextBoxFlag xmlns:ma14="http://schemas.microsoft.com/office/mac/drawingml/2011/main" xmlns:a14="http://schemas.microsoft.com/office/drawing/2010/main" xmlns:m="http://schemas.openxmlformats.org/officeDocument/2006/math" xmlns="" val="1"/>
             </a:ext>
           </a:extLst>
         </p:spPr>
@@ -1686,7 +1686,7 @@
           </a:ln>
           <a:extLst>
             <a:ext uri="{C572A759-6A51-4108-AA02-DFA0A04FC94B}">
-              <ma14:wrappingTextBoxFlag xmlns="" xmlns:m="http://schemas.openxmlformats.org/officeDocument/2006/math" xmlns:a14="http://schemas.microsoft.com/office/drawing/2010/main" xmlns:ma14="http://schemas.microsoft.com/office/mac/drawingml/2011/main" val="1"/>
+              <ma14:wrappingTextBoxFlag xmlns:ma14="http://schemas.microsoft.com/office/mac/drawingml/2011/main" xmlns:a14="http://schemas.microsoft.com/office/drawing/2010/main" xmlns:m="http://schemas.openxmlformats.org/officeDocument/2006/math" xmlns="" val="1"/>
             </a:ext>
           </a:extLst>
         </p:spPr>
@@ -1947,7 +1947,7 @@
           </a:ln>
           <a:extLst>
             <a:ext uri="{C572A759-6A51-4108-AA02-DFA0A04FC94B}">
-              <ma14:wrappingTextBoxFlag xmlns="" xmlns:m="http://schemas.openxmlformats.org/officeDocument/2006/math" xmlns:a14="http://schemas.microsoft.com/office/drawing/2010/main" xmlns:ma14="http://schemas.microsoft.com/office/mac/drawingml/2011/main" val="1"/>
+              <ma14:wrappingTextBoxFlag xmlns:ma14="http://schemas.microsoft.com/office/mac/drawingml/2011/main" xmlns:a14="http://schemas.microsoft.com/office/drawing/2010/main" xmlns:m="http://schemas.openxmlformats.org/officeDocument/2006/math" xmlns="" val="1"/>
             </a:ext>
           </a:extLst>
         </p:spPr>
@@ -1986,7 +1986,7 @@
           </a:ln>
           <a:extLst>
             <a:ext uri="{C572A759-6A51-4108-AA02-DFA0A04FC94B}">
-              <ma14:wrappingTextBoxFlag xmlns="" xmlns:m="http://schemas.openxmlformats.org/officeDocument/2006/math" xmlns:a14="http://schemas.microsoft.com/office/drawing/2010/main" xmlns:ma14="http://schemas.microsoft.com/office/mac/drawingml/2011/main" val="1"/>
+              <ma14:wrappingTextBoxFlag xmlns:ma14="http://schemas.microsoft.com/office/mac/drawingml/2011/main" xmlns:a14="http://schemas.microsoft.com/office/drawing/2010/main" xmlns:m="http://schemas.openxmlformats.org/officeDocument/2006/math" xmlns="" val="1"/>
             </a:ext>
           </a:extLst>
         </p:spPr>
@@ -3541,7 +3541,7 @@
         <p:spPr>
           <a:xfrm>
             <a:off x="378326" y="1405288"/>
-            <a:ext cx="8162223" cy="3139317"/>
+            <a:ext cx="8162223" cy="3416316"/>
           </a:xfrm>
           <a:prstGeom prst="rect">
             <a:avLst/>
@@ -3701,8 +3701,21 @@
                 <a:latin typeface="+mj-lt"/>
                 <a:sym typeface="Wingdings" panose="05000000000000000000" pitchFamily="2" charset="2"/>
               </a:rPr>
-              <a:t> Veröffentlichung einer solchen Lösung </a:t>
-            </a:r>
+              <a:t> Veröffentlichung einer solchen </a:t>
+            </a:r>
+            <a:r>
+              <a:rPr lang="de-DE" sz="1800">
+                <a:latin typeface="+mj-lt"/>
+                <a:sym typeface="Wingdings" panose="05000000000000000000" pitchFamily="2" charset="2"/>
+              </a:rPr>
+              <a:t>Lösung </a:t>
+            </a:r>
+          </a:p>
+          <a:p>
+            <a:pPr lvl="1">
+              <a:buSzTx/>
+              <a:buNone/>
+            </a:pPr>
             <a:endParaRPr lang="de-DE" sz="1800" dirty="0">
               <a:latin typeface="+mj-lt"/>
             </a:endParaRPr>
